--- a/report/figures/Figures.pptx
+++ b/report/figures/Figures.pptx
@@ -7,6 +7,7 @@
   <p:sldIdLst>
     <p:sldId id="256" r:id="rId2"/>
     <p:sldId id="257" r:id="rId3"/>
+    <p:sldId id="258" r:id="rId4"/>
   </p:sldIdLst>
   <p:sldSz cx="12192000" cy="6858000"/>
   <p:notesSz cx="6858000" cy="9144000"/>
@@ -260,7 +261,7 @@
           <a:p>
             <a:fld id="{00C148EF-35E6-4061-8BA4-EFA290F2CBC6}" type="datetimeFigureOut">
               <a:rPr lang="en-US" smtClean="0"/>
-              <a:t>2/29/2024</a:t>
+              <a:t>3/23/2024</a:t>
             </a:fld>
             <a:endParaRPr lang="en-US"/>
           </a:p>
@@ -458,7 +459,7 @@
           <a:p>
             <a:fld id="{00C148EF-35E6-4061-8BA4-EFA290F2CBC6}" type="datetimeFigureOut">
               <a:rPr lang="en-US" smtClean="0"/>
-              <a:t>2/29/2024</a:t>
+              <a:t>3/23/2024</a:t>
             </a:fld>
             <a:endParaRPr lang="en-US"/>
           </a:p>
@@ -666,7 +667,7 @@
           <a:p>
             <a:fld id="{00C148EF-35E6-4061-8BA4-EFA290F2CBC6}" type="datetimeFigureOut">
               <a:rPr lang="en-US" smtClean="0"/>
-              <a:t>2/29/2024</a:t>
+              <a:t>3/23/2024</a:t>
             </a:fld>
             <a:endParaRPr lang="en-US"/>
           </a:p>
@@ -864,7 +865,7 @@
           <a:p>
             <a:fld id="{00C148EF-35E6-4061-8BA4-EFA290F2CBC6}" type="datetimeFigureOut">
               <a:rPr lang="en-US" smtClean="0"/>
-              <a:t>2/29/2024</a:t>
+              <a:t>3/23/2024</a:t>
             </a:fld>
             <a:endParaRPr lang="en-US"/>
           </a:p>
@@ -1139,7 +1140,7 @@
           <a:p>
             <a:fld id="{00C148EF-35E6-4061-8BA4-EFA290F2CBC6}" type="datetimeFigureOut">
               <a:rPr lang="en-US" smtClean="0"/>
-              <a:t>2/29/2024</a:t>
+              <a:t>3/23/2024</a:t>
             </a:fld>
             <a:endParaRPr lang="en-US"/>
           </a:p>
@@ -1404,7 +1405,7 @@
           <a:p>
             <a:fld id="{00C148EF-35E6-4061-8BA4-EFA290F2CBC6}" type="datetimeFigureOut">
               <a:rPr lang="en-US" smtClean="0"/>
-              <a:t>2/29/2024</a:t>
+              <a:t>3/23/2024</a:t>
             </a:fld>
             <a:endParaRPr lang="en-US"/>
           </a:p>
@@ -1816,7 +1817,7 @@
           <a:p>
             <a:fld id="{00C148EF-35E6-4061-8BA4-EFA290F2CBC6}" type="datetimeFigureOut">
               <a:rPr lang="en-US" smtClean="0"/>
-              <a:t>2/29/2024</a:t>
+              <a:t>3/23/2024</a:t>
             </a:fld>
             <a:endParaRPr lang="en-US"/>
           </a:p>
@@ -1957,7 +1958,7 @@
           <a:p>
             <a:fld id="{00C148EF-35E6-4061-8BA4-EFA290F2CBC6}" type="datetimeFigureOut">
               <a:rPr lang="en-US" smtClean="0"/>
-              <a:t>2/29/2024</a:t>
+              <a:t>3/23/2024</a:t>
             </a:fld>
             <a:endParaRPr lang="en-US"/>
           </a:p>
@@ -2070,7 +2071,7 @@
           <a:p>
             <a:fld id="{00C148EF-35E6-4061-8BA4-EFA290F2CBC6}" type="datetimeFigureOut">
               <a:rPr lang="en-US" smtClean="0"/>
-              <a:t>2/29/2024</a:t>
+              <a:t>3/23/2024</a:t>
             </a:fld>
             <a:endParaRPr lang="en-US"/>
           </a:p>
@@ -2381,7 +2382,7 @@
           <a:p>
             <a:fld id="{00C148EF-35E6-4061-8BA4-EFA290F2CBC6}" type="datetimeFigureOut">
               <a:rPr lang="en-US" smtClean="0"/>
-              <a:t>2/29/2024</a:t>
+              <a:t>3/23/2024</a:t>
             </a:fld>
             <a:endParaRPr lang="en-US"/>
           </a:p>
@@ -2669,7 +2670,7 @@
           <a:p>
             <a:fld id="{00C148EF-35E6-4061-8BA4-EFA290F2CBC6}" type="datetimeFigureOut">
               <a:rPr lang="en-US" smtClean="0"/>
-              <a:t>2/29/2024</a:t>
+              <a:t>3/23/2024</a:t>
             </a:fld>
             <a:endParaRPr lang="en-US"/>
           </a:p>
@@ -2910,7 +2911,7 @@
           <a:p>
             <a:fld id="{00C148EF-35E6-4061-8BA4-EFA290F2CBC6}" type="datetimeFigureOut">
               <a:rPr lang="en-US" smtClean="0"/>
-              <a:t>2/29/2024</a:t>
+              <a:t>3/23/2024</a:t>
             </a:fld>
             <a:endParaRPr lang="en-US"/>
           </a:p>
@@ -6312,6 +6313,766 @@
 </p:sld>
 </file>
 
+<file path=ppt/slides/slide3.xml><?xml version="1.0" encoding="utf-8"?>
+<p:sld xmlns:a="http://schemas.openxmlformats.org/drawingml/2006/main" xmlns:r="http://schemas.openxmlformats.org/officeDocument/2006/relationships" xmlns:p="http://schemas.openxmlformats.org/presentationml/2006/main">
+  <p:cSld>
+    <p:spTree>
+      <p:nvGrpSpPr>
+        <p:cNvPr id="1" name=""/>
+        <p:cNvGrpSpPr/>
+        <p:nvPr/>
+      </p:nvGrpSpPr>
+      <p:grpSpPr>
+        <a:xfrm>
+          <a:off x="0" y="0"/>
+          <a:ext cx="0" cy="0"/>
+          <a:chOff x="0" y="0"/>
+          <a:chExt cx="0" cy="0"/>
+        </a:xfrm>
+      </p:grpSpPr>
+      <p:cxnSp>
+        <p:nvCxnSpPr>
+          <p:cNvPr id="10" name="Straight Connector 9">
+            <a:extLst>
+              <a:ext uri="{FF2B5EF4-FFF2-40B4-BE49-F238E27FC236}">
+                <a16:creationId xmlns:a16="http://schemas.microsoft.com/office/drawing/2014/main" id="{766C87B5-E0DF-C7BA-9CD0-E54B98AAB046}"/>
+              </a:ext>
+            </a:extLst>
+          </p:cNvPr>
+          <p:cNvCxnSpPr>
+            <a:cxnSpLocks/>
+          </p:cNvCxnSpPr>
+          <p:nvPr/>
+        </p:nvCxnSpPr>
+        <p:spPr>
+          <a:xfrm>
+            <a:off x="2045368" y="3050005"/>
+            <a:ext cx="1552074" cy="0"/>
+          </a:xfrm>
+          <a:prstGeom prst="line">
+            <a:avLst/>
+          </a:prstGeom>
+          <a:ln w="28575">
+            <a:solidFill>
+              <a:schemeClr val="tx1"/>
+            </a:solidFill>
+          </a:ln>
+        </p:spPr>
+        <p:style>
+          <a:lnRef idx="1">
+            <a:schemeClr val="accent1"/>
+          </a:lnRef>
+          <a:fillRef idx="0">
+            <a:schemeClr val="accent1"/>
+          </a:fillRef>
+          <a:effectRef idx="0">
+            <a:schemeClr val="accent1"/>
+          </a:effectRef>
+          <a:fontRef idx="minor">
+            <a:schemeClr val="tx1"/>
+          </a:fontRef>
+        </p:style>
+      </p:cxnSp>
+      <p:cxnSp>
+        <p:nvCxnSpPr>
+          <p:cNvPr id="5" name="Straight Connector 4">
+            <a:extLst>
+              <a:ext uri="{FF2B5EF4-FFF2-40B4-BE49-F238E27FC236}">
+                <a16:creationId xmlns:a16="http://schemas.microsoft.com/office/drawing/2014/main" id="{4C3B15CA-6985-D950-9FCD-CFF970EDB8EA}"/>
+              </a:ext>
+            </a:extLst>
+          </p:cNvPr>
+          <p:cNvCxnSpPr>
+            <a:cxnSpLocks/>
+          </p:cNvCxnSpPr>
+          <p:nvPr/>
+        </p:nvCxnSpPr>
+        <p:spPr>
+          <a:xfrm flipV="1">
+            <a:off x="2045368" y="1822785"/>
+            <a:ext cx="634666" cy="1227220"/>
+          </a:xfrm>
+          <a:prstGeom prst="line">
+            <a:avLst/>
+          </a:prstGeom>
+          <a:ln w="28575">
+            <a:solidFill>
+              <a:schemeClr val="tx1"/>
+            </a:solidFill>
+          </a:ln>
+        </p:spPr>
+        <p:style>
+          <a:lnRef idx="1">
+            <a:schemeClr val="accent1"/>
+          </a:lnRef>
+          <a:fillRef idx="0">
+            <a:schemeClr val="accent1"/>
+          </a:fillRef>
+          <a:effectRef idx="0">
+            <a:schemeClr val="accent1"/>
+          </a:effectRef>
+          <a:fontRef idx="minor">
+            <a:schemeClr val="tx1"/>
+          </a:fontRef>
+        </p:style>
+      </p:cxnSp>
+      <p:cxnSp>
+        <p:nvCxnSpPr>
+          <p:cNvPr id="18" name="Straight Connector 17">
+            <a:extLst>
+              <a:ext uri="{FF2B5EF4-FFF2-40B4-BE49-F238E27FC236}">
+                <a16:creationId xmlns:a16="http://schemas.microsoft.com/office/drawing/2014/main" id="{BC10F989-B04B-6C31-0B69-3B0387993997}"/>
+              </a:ext>
+            </a:extLst>
+          </p:cNvPr>
+          <p:cNvCxnSpPr>
+            <a:cxnSpLocks/>
+          </p:cNvCxnSpPr>
+          <p:nvPr/>
+        </p:nvCxnSpPr>
+        <p:spPr>
+          <a:xfrm flipH="1" flipV="1">
+            <a:off x="2680034" y="1822785"/>
+            <a:ext cx="917408" cy="1227220"/>
+          </a:xfrm>
+          <a:prstGeom prst="line">
+            <a:avLst/>
+          </a:prstGeom>
+          <a:ln w="28575">
+            <a:solidFill>
+              <a:schemeClr val="tx1"/>
+            </a:solidFill>
+          </a:ln>
+        </p:spPr>
+        <p:style>
+          <a:lnRef idx="1">
+            <a:schemeClr val="accent1"/>
+          </a:lnRef>
+          <a:fillRef idx="0">
+            <a:schemeClr val="accent1"/>
+          </a:fillRef>
+          <a:effectRef idx="0">
+            <a:schemeClr val="accent1"/>
+          </a:effectRef>
+          <a:fontRef idx="minor">
+            <a:schemeClr val="tx1"/>
+          </a:fontRef>
+        </p:style>
+      </p:cxnSp>
+      <p:sp>
+        <p:nvSpPr>
+          <p:cNvPr id="8" name="Oval 7">
+            <a:extLst>
+              <a:ext uri="{FF2B5EF4-FFF2-40B4-BE49-F238E27FC236}">
+                <a16:creationId xmlns:a16="http://schemas.microsoft.com/office/drawing/2014/main" id="{005BF395-2C95-CBD2-31A5-296E245E9021}"/>
+              </a:ext>
+            </a:extLst>
+          </p:cNvPr>
+          <p:cNvSpPr/>
+          <p:nvPr/>
+        </p:nvSpPr>
+        <p:spPr>
+          <a:xfrm>
+            <a:off x="3552323" y="3001878"/>
+            <a:ext cx="90237" cy="96253"/>
+          </a:xfrm>
+          <a:prstGeom prst="ellipse">
+            <a:avLst/>
+          </a:prstGeom>
+          <a:solidFill>
+            <a:schemeClr val="tx2"/>
+          </a:solidFill>
+          <a:ln>
+            <a:solidFill>
+              <a:schemeClr val="tx1"/>
+            </a:solidFill>
+          </a:ln>
+        </p:spPr>
+        <p:style>
+          <a:lnRef idx="2">
+            <a:schemeClr val="accent1">
+              <a:shade val="15000"/>
+            </a:schemeClr>
+          </a:lnRef>
+          <a:fillRef idx="1">
+            <a:schemeClr val="accent1"/>
+          </a:fillRef>
+          <a:effectRef idx="0">
+            <a:schemeClr val="accent1"/>
+          </a:effectRef>
+          <a:fontRef idx="minor">
+            <a:schemeClr val="lt1"/>
+          </a:fontRef>
+        </p:style>
+        <p:txBody>
+          <a:bodyPr rtlCol="0" anchor="ctr"/>
+          <a:lstStyle/>
+          <a:p>
+            <a:pPr algn="ctr"/>
+            <a:endParaRPr lang="en-US"/>
+          </a:p>
+        </p:txBody>
+      </p:sp>
+      <p:sp>
+        <p:nvSpPr>
+          <p:cNvPr id="27" name="Oval 26">
+            <a:extLst>
+              <a:ext uri="{FF2B5EF4-FFF2-40B4-BE49-F238E27FC236}">
+                <a16:creationId xmlns:a16="http://schemas.microsoft.com/office/drawing/2014/main" id="{7217E560-25E9-939B-722D-5CB501078AA5}"/>
+              </a:ext>
+            </a:extLst>
+          </p:cNvPr>
+          <p:cNvSpPr/>
+          <p:nvPr/>
+        </p:nvSpPr>
+        <p:spPr>
+          <a:xfrm>
+            <a:off x="2000250" y="3001877"/>
+            <a:ext cx="90237" cy="96253"/>
+          </a:xfrm>
+          <a:prstGeom prst="ellipse">
+            <a:avLst/>
+          </a:prstGeom>
+          <a:solidFill>
+            <a:schemeClr val="tx2"/>
+          </a:solidFill>
+          <a:ln>
+            <a:solidFill>
+              <a:schemeClr val="tx1"/>
+            </a:solidFill>
+          </a:ln>
+        </p:spPr>
+        <p:style>
+          <a:lnRef idx="2">
+            <a:schemeClr val="accent1">
+              <a:shade val="15000"/>
+            </a:schemeClr>
+          </a:lnRef>
+          <a:fillRef idx="1">
+            <a:schemeClr val="accent1"/>
+          </a:fillRef>
+          <a:effectRef idx="0">
+            <a:schemeClr val="accent1"/>
+          </a:effectRef>
+          <a:fontRef idx="minor">
+            <a:schemeClr val="lt1"/>
+          </a:fontRef>
+        </p:style>
+        <p:txBody>
+          <a:bodyPr rtlCol="0" anchor="ctr"/>
+          <a:lstStyle/>
+          <a:p>
+            <a:pPr algn="ctr"/>
+            <a:endParaRPr lang="en-US"/>
+          </a:p>
+        </p:txBody>
+      </p:sp>
+      <mc:AlternateContent xmlns:mc="http://schemas.openxmlformats.org/markup-compatibility/2006">
+        <mc:Choice xmlns:a14="http://schemas.microsoft.com/office/drawing/2010/main" Requires="a14">
+          <p:sp>
+            <p:nvSpPr>
+              <p:cNvPr id="28" name="TextBox 27">
+                <a:extLst>
+                  <a:ext uri="{FF2B5EF4-FFF2-40B4-BE49-F238E27FC236}">
+                    <a16:creationId xmlns:a16="http://schemas.microsoft.com/office/drawing/2014/main" id="{5AA82794-AF7F-70DB-2612-52EA83BAB5A1}"/>
+                  </a:ext>
+                </a:extLst>
+              </p:cNvPr>
+              <p:cNvSpPr txBox="1"/>
+              <p:nvPr/>
+            </p:nvSpPr>
+            <p:spPr>
+              <a:xfrm>
+                <a:off x="1434765" y="2664722"/>
+                <a:ext cx="730919" cy="553613"/>
+              </a:xfrm>
+              <a:prstGeom prst="rect">
+                <a:avLst/>
+              </a:prstGeom>
+              <a:noFill/>
+            </p:spPr>
+            <p:txBody>
+              <a:bodyPr wrap="square" rtlCol="0">
+                <a:spAutoFit/>
+              </a:bodyPr>
+              <a:lstStyle/>
+              <a:p>
+                <a14:m>
+                  <m:oMathPara xmlns:m="http://schemas.openxmlformats.org/officeDocument/2006/math">
+                    <m:oMathParaPr>
+                      <m:jc m:val="centerGroup"/>
+                    </m:oMathParaPr>
+                    <m:oMath xmlns:m="http://schemas.openxmlformats.org/officeDocument/2006/math">
+                      <m:sSubSup>
+                        <m:sSubSupPr>
+                          <m:ctrlPr>
+                            <a:rPr lang="en-US" sz="2400" b="0" i="1" smtClean="0">
+                              <a:latin typeface="Cambria Math" panose="02040503050406030204" pitchFamily="18" charset="0"/>
+                            </a:rPr>
+                          </m:ctrlPr>
+                        </m:sSubSupPr>
+                        <m:e>
+                          <m:r>
+                            <a:rPr lang="en-US" sz="2400" b="0" i="1" smtClean="0">
+                              <a:latin typeface="Cambria Math" panose="02040503050406030204" pitchFamily="18" charset="0"/>
+                            </a:rPr>
+                            <m:t>𝜙</m:t>
+                          </m:r>
+                        </m:e>
+                        <m:sub>
+                          <m:r>
+                            <a:rPr lang="en-US" sz="2400" b="0" i="1" smtClean="0">
+                              <a:latin typeface="Cambria Math" panose="02040503050406030204" pitchFamily="18" charset="0"/>
+                            </a:rPr>
+                            <m:t>1</m:t>
+                          </m:r>
+                        </m:sub>
+                        <m:sup>
+                          <m:r>
+                            <a:rPr lang="en-US" sz="2400" b="0" i="1" smtClean="0">
+                              <a:latin typeface="Cambria Math" panose="02040503050406030204" pitchFamily="18" charset="0"/>
+                            </a:rPr>
+                            <m:t>(</m:t>
+                          </m:r>
+                          <m:r>
+                            <a:rPr lang="en-US" sz="2400" b="0" i="1" smtClean="0">
+                              <a:latin typeface="Cambria Math" panose="02040503050406030204" pitchFamily="18" charset="0"/>
+                            </a:rPr>
+                            <m:t>𝑒</m:t>
+                          </m:r>
+                          <m:r>
+                            <a:rPr lang="en-US" sz="2400" b="0" i="1" smtClean="0">
+                              <a:latin typeface="Cambria Math" panose="02040503050406030204" pitchFamily="18" charset="0"/>
+                            </a:rPr>
+                            <m:t>)</m:t>
+                          </m:r>
+                        </m:sup>
+                      </m:sSubSup>
+                    </m:oMath>
+                  </m:oMathPara>
+                </a14:m>
+                <a:endParaRPr lang="en-US" sz="2400" dirty="0"/>
+              </a:p>
+            </p:txBody>
+          </p:sp>
+        </mc:Choice>
+        <mc:Fallback>
+          <p:sp>
+            <p:nvSpPr>
+              <p:cNvPr id="28" name="TextBox 27">
+                <a:extLst>
+                  <a:ext uri="{FF2B5EF4-FFF2-40B4-BE49-F238E27FC236}">
+                    <a16:creationId xmlns:a16="http://schemas.microsoft.com/office/drawing/2014/main" id="{5AA82794-AF7F-70DB-2612-52EA83BAB5A1}"/>
+                  </a:ext>
+                </a:extLst>
+              </p:cNvPr>
+              <p:cNvSpPr txBox="1">
+                <a:spLocks noRot="1" noChangeAspect="1" noMove="1" noResize="1" noEditPoints="1" noAdjustHandles="1" noChangeArrowheads="1" noChangeShapeType="1" noTextEdit="1"/>
+              </p:cNvSpPr>
+              <p:nvPr/>
+            </p:nvSpPr>
+            <p:spPr>
+              <a:xfrm>
+                <a:off x="1434765" y="2664722"/>
+                <a:ext cx="730919" cy="553613"/>
+              </a:xfrm>
+              <a:prstGeom prst="rect">
+                <a:avLst/>
+              </a:prstGeom>
+              <a:blipFill>
+                <a:blip r:embed="rId2"/>
+                <a:stretch>
+                  <a:fillRect/>
+                </a:stretch>
+              </a:blipFill>
+            </p:spPr>
+            <p:txBody>
+              <a:bodyPr/>
+              <a:lstStyle/>
+              <a:p>
+                <a:r>
+                  <a:rPr lang="en-US">
+                    <a:noFill/>
+                  </a:rPr>
+                  <a:t> </a:t>
+                </a:r>
+              </a:p>
+            </p:txBody>
+          </p:sp>
+        </mc:Fallback>
+      </mc:AlternateContent>
+      <mc:AlternateContent xmlns:mc="http://schemas.openxmlformats.org/markup-compatibility/2006">
+        <mc:Choice xmlns:a14="http://schemas.microsoft.com/office/drawing/2010/main" Requires="a14">
+          <p:sp>
+            <p:nvSpPr>
+              <p:cNvPr id="29" name="TextBox 28">
+                <a:extLst>
+                  <a:ext uri="{FF2B5EF4-FFF2-40B4-BE49-F238E27FC236}">
+                    <a16:creationId xmlns:a16="http://schemas.microsoft.com/office/drawing/2014/main" id="{2CC3EAD5-5EF0-3C61-8EF1-AB4F1EB1CA79}"/>
+                  </a:ext>
+                </a:extLst>
+              </p:cNvPr>
+              <p:cNvSpPr txBox="1"/>
+              <p:nvPr/>
+            </p:nvSpPr>
+            <p:spPr>
+              <a:xfrm>
+                <a:off x="2314574" y="1212102"/>
+                <a:ext cx="730919" cy="555858"/>
+              </a:xfrm>
+              <a:prstGeom prst="rect">
+                <a:avLst/>
+              </a:prstGeom>
+              <a:noFill/>
+            </p:spPr>
+            <p:txBody>
+              <a:bodyPr wrap="square" rtlCol="0">
+                <a:spAutoFit/>
+              </a:bodyPr>
+              <a:lstStyle/>
+              <a:p>
+                <a14:m>
+                  <m:oMathPara xmlns:m="http://schemas.openxmlformats.org/officeDocument/2006/math">
+                    <m:oMathParaPr>
+                      <m:jc m:val="centerGroup"/>
+                    </m:oMathParaPr>
+                    <m:oMath xmlns:m="http://schemas.openxmlformats.org/officeDocument/2006/math">
+                      <m:sSubSup>
+                        <m:sSubSupPr>
+                          <m:ctrlPr>
+                            <a:rPr lang="en-US" sz="2400" b="0" i="1" smtClean="0">
+                              <a:latin typeface="Cambria Math" panose="02040503050406030204" pitchFamily="18" charset="0"/>
+                            </a:rPr>
+                          </m:ctrlPr>
+                        </m:sSubSupPr>
+                        <m:e>
+                          <m:r>
+                            <a:rPr lang="en-US" sz="2400" b="0" i="1" smtClean="0">
+                              <a:latin typeface="Cambria Math" panose="02040503050406030204" pitchFamily="18" charset="0"/>
+                            </a:rPr>
+                            <m:t>𝜙</m:t>
+                          </m:r>
+                        </m:e>
+                        <m:sub>
+                          <m:r>
+                            <a:rPr lang="en-US" sz="2400" b="0" i="1" smtClean="0">
+                              <a:latin typeface="Cambria Math" panose="02040503050406030204" pitchFamily="18" charset="0"/>
+                            </a:rPr>
+                            <m:t>3</m:t>
+                          </m:r>
+                        </m:sub>
+                        <m:sup>
+                          <m:r>
+                            <a:rPr lang="en-US" sz="2400" b="0" i="1" smtClean="0">
+                              <a:latin typeface="Cambria Math" panose="02040503050406030204" pitchFamily="18" charset="0"/>
+                            </a:rPr>
+                            <m:t>(</m:t>
+                          </m:r>
+                          <m:r>
+                            <a:rPr lang="en-US" sz="2400" b="0" i="1" smtClean="0">
+                              <a:latin typeface="Cambria Math" panose="02040503050406030204" pitchFamily="18" charset="0"/>
+                            </a:rPr>
+                            <m:t>𝑒</m:t>
+                          </m:r>
+                          <m:r>
+                            <a:rPr lang="en-US" sz="2400" b="0" i="1" smtClean="0">
+                              <a:latin typeface="Cambria Math" panose="02040503050406030204" pitchFamily="18" charset="0"/>
+                            </a:rPr>
+                            <m:t>)</m:t>
+                          </m:r>
+                        </m:sup>
+                      </m:sSubSup>
+                    </m:oMath>
+                  </m:oMathPara>
+                </a14:m>
+                <a:endParaRPr lang="en-US" sz="2400" dirty="0"/>
+              </a:p>
+            </p:txBody>
+          </p:sp>
+        </mc:Choice>
+        <mc:Fallback>
+          <p:sp>
+            <p:nvSpPr>
+              <p:cNvPr id="29" name="TextBox 28">
+                <a:extLst>
+                  <a:ext uri="{FF2B5EF4-FFF2-40B4-BE49-F238E27FC236}">
+                    <a16:creationId xmlns:a16="http://schemas.microsoft.com/office/drawing/2014/main" id="{2CC3EAD5-5EF0-3C61-8EF1-AB4F1EB1CA79}"/>
+                  </a:ext>
+                </a:extLst>
+              </p:cNvPr>
+              <p:cNvSpPr txBox="1">
+                <a:spLocks noRot="1" noChangeAspect="1" noMove="1" noResize="1" noEditPoints="1" noAdjustHandles="1" noChangeArrowheads="1" noChangeShapeType="1" noTextEdit="1"/>
+              </p:cNvSpPr>
+              <p:nvPr/>
+            </p:nvSpPr>
+            <p:spPr>
+              <a:xfrm>
+                <a:off x="2314574" y="1212102"/>
+                <a:ext cx="730919" cy="555858"/>
+              </a:xfrm>
+              <a:prstGeom prst="rect">
+                <a:avLst/>
+              </a:prstGeom>
+              <a:blipFill>
+                <a:blip r:embed="rId3"/>
+                <a:stretch>
+                  <a:fillRect/>
+                </a:stretch>
+              </a:blipFill>
+            </p:spPr>
+            <p:txBody>
+              <a:bodyPr/>
+              <a:lstStyle/>
+              <a:p>
+                <a:r>
+                  <a:rPr lang="en-US">
+                    <a:noFill/>
+                  </a:rPr>
+                  <a:t> </a:t>
+                </a:r>
+              </a:p>
+            </p:txBody>
+          </p:sp>
+        </mc:Fallback>
+      </mc:AlternateContent>
+      <mc:AlternateContent xmlns:mc="http://schemas.openxmlformats.org/markup-compatibility/2006">
+        <mc:Choice xmlns:a14="http://schemas.microsoft.com/office/drawing/2010/main" Requires="a14">
+          <p:sp>
+            <p:nvSpPr>
+              <p:cNvPr id="30" name="TextBox 29">
+                <a:extLst>
+                  <a:ext uri="{FF2B5EF4-FFF2-40B4-BE49-F238E27FC236}">
+                    <a16:creationId xmlns:a16="http://schemas.microsoft.com/office/drawing/2014/main" id="{90572D66-67F1-F1AD-28D9-B9DD33A73C5D}"/>
+                  </a:ext>
+                </a:extLst>
+              </p:cNvPr>
+              <p:cNvSpPr txBox="1"/>
+              <p:nvPr/>
+            </p:nvSpPr>
+            <p:spPr>
+              <a:xfrm>
+                <a:off x="3573378" y="2664722"/>
+                <a:ext cx="523374" cy="553998"/>
+              </a:xfrm>
+              <a:prstGeom prst="rect">
+                <a:avLst/>
+              </a:prstGeom>
+              <a:noFill/>
+            </p:spPr>
+            <p:txBody>
+              <a:bodyPr wrap="square" rtlCol="0">
+                <a:spAutoFit/>
+              </a:bodyPr>
+              <a:lstStyle/>
+              <a:p>
+                <a14:m>
+                  <m:oMathPara xmlns:m="http://schemas.openxmlformats.org/officeDocument/2006/math">
+                    <m:oMathParaPr>
+                      <m:jc m:val="centerGroup"/>
+                    </m:oMathParaPr>
+                    <m:oMath xmlns:m="http://schemas.openxmlformats.org/officeDocument/2006/math">
+                      <m:sSubSup>
+                        <m:sSubSupPr>
+                          <m:ctrlPr>
+                            <a:rPr lang="en-US" sz="2400" b="0" i="1" smtClean="0">
+                              <a:latin typeface="Cambria Math" panose="02040503050406030204" pitchFamily="18" charset="0"/>
+                            </a:rPr>
+                          </m:ctrlPr>
+                        </m:sSubSupPr>
+                        <m:e>
+                          <m:r>
+                            <a:rPr lang="en-US" sz="2400" b="0" i="1" smtClean="0">
+                              <a:latin typeface="Cambria Math" panose="02040503050406030204" pitchFamily="18" charset="0"/>
+                            </a:rPr>
+                            <m:t>𝜙</m:t>
+                          </m:r>
+                        </m:e>
+                        <m:sub>
+                          <m:r>
+                            <a:rPr lang="en-US" sz="2400" b="0" i="1" smtClean="0">
+                              <a:latin typeface="Cambria Math" panose="02040503050406030204" pitchFamily="18" charset="0"/>
+                            </a:rPr>
+                            <m:t>2</m:t>
+                          </m:r>
+                        </m:sub>
+                        <m:sup>
+                          <m:r>
+                            <a:rPr lang="en-US" sz="2400" b="0" i="1" smtClean="0">
+                              <a:latin typeface="Cambria Math" panose="02040503050406030204" pitchFamily="18" charset="0"/>
+                            </a:rPr>
+                            <m:t>(</m:t>
+                          </m:r>
+                          <m:r>
+                            <a:rPr lang="en-US" sz="2400" b="0" i="1" smtClean="0">
+                              <a:latin typeface="Cambria Math" panose="02040503050406030204" pitchFamily="18" charset="0"/>
+                            </a:rPr>
+                            <m:t>𝑒</m:t>
+                          </m:r>
+                          <m:r>
+                            <a:rPr lang="en-US" sz="2400" b="0" i="1" smtClean="0">
+                              <a:latin typeface="Cambria Math" panose="02040503050406030204" pitchFamily="18" charset="0"/>
+                            </a:rPr>
+                            <m:t>)</m:t>
+                          </m:r>
+                        </m:sup>
+                      </m:sSubSup>
+                    </m:oMath>
+                  </m:oMathPara>
+                </a14:m>
+                <a:endParaRPr lang="en-US" sz="2400" dirty="0"/>
+              </a:p>
+            </p:txBody>
+          </p:sp>
+        </mc:Choice>
+        <mc:Fallback>
+          <p:sp>
+            <p:nvSpPr>
+              <p:cNvPr id="30" name="TextBox 29">
+                <a:extLst>
+                  <a:ext uri="{FF2B5EF4-FFF2-40B4-BE49-F238E27FC236}">
+                    <a16:creationId xmlns:a16="http://schemas.microsoft.com/office/drawing/2014/main" id="{90572D66-67F1-F1AD-28D9-B9DD33A73C5D}"/>
+                  </a:ext>
+                </a:extLst>
+              </p:cNvPr>
+              <p:cNvSpPr txBox="1">
+                <a:spLocks noRot="1" noChangeAspect="1" noMove="1" noResize="1" noEditPoints="1" noAdjustHandles="1" noChangeArrowheads="1" noChangeShapeType="1" noTextEdit="1"/>
+              </p:cNvSpPr>
+              <p:nvPr/>
+            </p:nvSpPr>
+            <p:spPr>
+              <a:xfrm>
+                <a:off x="3573378" y="2664722"/>
+                <a:ext cx="523374" cy="553998"/>
+              </a:xfrm>
+              <a:prstGeom prst="rect">
+                <a:avLst/>
+              </a:prstGeom>
+              <a:blipFill>
+                <a:blip r:embed="rId4"/>
+                <a:stretch>
+                  <a:fillRect r="-16279"/>
+                </a:stretch>
+              </a:blipFill>
+            </p:spPr>
+            <p:txBody>
+              <a:bodyPr/>
+              <a:lstStyle/>
+              <a:p>
+                <a:r>
+                  <a:rPr lang="en-US">
+                    <a:noFill/>
+                  </a:rPr>
+                  <a:t> </a:t>
+                </a:r>
+              </a:p>
+            </p:txBody>
+          </p:sp>
+        </mc:Fallback>
+      </mc:AlternateContent>
+      <p:sp>
+        <p:nvSpPr>
+          <p:cNvPr id="31" name="TextBox 30">
+            <a:extLst>
+              <a:ext uri="{FF2B5EF4-FFF2-40B4-BE49-F238E27FC236}">
+                <a16:creationId xmlns:a16="http://schemas.microsoft.com/office/drawing/2014/main" id="{833259EE-19C4-C185-D893-72D7576074FF}"/>
+              </a:ext>
+            </a:extLst>
+          </p:cNvPr>
+          <p:cNvSpPr txBox="1"/>
+          <p:nvPr/>
+        </p:nvSpPr>
+        <p:spPr>
+          <a:xfrm>
+            <a:off x="2601829" y="2381570"/>
+            <a:ext cx="360947" cy="461665"/>
+          </a:xfrm>
+          <a:prstGeom prst="rect">
+            <a:avLst/>
+          </a:prstGeom>
+          <a:noFill/>
+        </p:spPr>
+        <p:txBody>
+          <a:bodyPr wrap="square" rtlCol="0">
+            <a:spAutoFit/>
+          </a:bodyPr>
+          <a:lstStyle/>
+          <a:p>
+            <a:r>
+              <a:rPr lang="en-US" sz="2400" dirty="0">
+                <a:latin typeface="CMU Sans Serif" panose="02000603000000000000"/>
+              </a:rPr>
+              <a:t>e</a:t>
+            </a:r>
+          </a:p>
+        </p:txBody>
+      </p:sp>
+      <p:sp>
+        <p:nvSpPr>
+          <p:cNvPr id="9" name="Oval 8">
+            <a:extLst>
+              <a:ext uri="{FF2B5EF4-FFF2-40B4-BE49-F238E27FC236}">
+                <a16:creationId xmlns:a16="http://schemas.microsoft.com/office/drawing/2014/main" id="{B7131BD5-9454-0785-A889-B1CABA4351F2}"/>
+              </a:ext>
+            </a:extLst>
+          </p:cNvPr>
+          <p:cNvSpPr/>
+          <p:nvPr/>
+        </p:nvSpPr>
+        <p:spPr>
+          <a:xfrm>
+            <a:off x="2634916" y="1774657"/>
+            <a:ext cx="90237" cy="96253"/>
+          </a:xfrm>
+          <a:prstGeom prst="ellipse">
+            <a:avLst/>
+          </a:prstGeom>
+          <a:solidFill>
+            <a:schemeClr val="tx2"/>
+          </a:solidFill>
+          <a:ln>
+            <a:solidFill>
+              <a:schemeClr val="tx1"/>
+            </a:solidFill>
+          </a:ln>
+        </p:spPr>
+        <p:style>
+          <a:lnRef idx="2">
+            <a:schemeClr val="accent1">
+              <a:shade val="15000"/>
+            </a:schemeClr>
+          </a:lnRef>
+          <a:fillRef idx="1">
+            <a:schemeClr val="accent1"/>
+          </a:fillRef>
+          <a:effectRef idx="0">
+            <a:schemeClr val="accent1"/>
+          </a:effectRef>
+          <a:fontRef idx="minor">
+            <a:schemeClr val="lt1"/>
+          </a:fontRef>
+        </p:style>
+        <p:txBody>
+          <a:bodyPr rtlCol="0" anchor="ctr"/>
+          <a:lstStyle/>
+          <a:p>
+            <a:pPr algn="ctr"/>
+            <a:endParaRPr lang="en-US"/>
+          </a:p>
+        </p:txBody>
+      </p:sp>
+    </p:spTree>
+    <p:extLst>
+      <p:ext uri="{BB962C8B-B14F-4D97-AF65-F5344CB8AC3E}">
+        <p14:creationId xmlns:p14="http://schemas.microsoft.com/office/powerpoint/2010/main" val="802310514"/>
+      </p:ext>
+    </p:extLst>
+  </p:cSld>
+  <p:clrMapOvr>
+    <a:masterClrMapping/>
+  </p:clrMapOvr>
+</p:sld>
+</file>
+
 <file path=ppt/theme/theme1.xml><?xml version="1.0" encoding="utf-8"?>
 <a:theme xmlns:a="http://schemas.openxmlformats.org/drawingml/2006/main" name="Office Theme">
   <a:themeElements>
